--- a/docs/stm/stm_instruction_slide.pptx
+++ b/docs/stm/stm_instruction_slide.pptx
@@ -112,6 +112,10 @@
 </p:presentation>
 </file>
 
+<file path=ppt/revisionInfo.xml><?xml version="1.0" encoding="utf-8"?>
+<p1510:revInfo xmlns:a="http://schemas.openxmlformats.org/drawingml/2006/main" xmlns:r="http://schemas.openxmlformats.org/officeDocument/2006/relationships" xmlns:p1510="http://schemas.microsoft.com/office/powerpoint/2015/10/main"/>
+</file>
+
 <file path=ppt/slideLayouts/slideLayout1.xml><?xml version="1.0" encoding="utf-8"?>
 <p:sldLayout xmlns:a="http://schemas.openxmlformats.org/drawingml/2006/main" xmlns:r="http://schemas.openxmlformats.org/officeDocument/2006/relationships" xmlns:p="http://schemas.openxmlformats.org/presentationml/2006/main" type="title" preserve="1">
   <p:cSld name="Title Slide">
@@ -243,7 +247,7 @@
           <a:p>
             <a:fld id="{F829977F-8E80-4A9E-9266-80D81053DA3F}" type="datetimeFigureOut">
               <a:rPr lang="en-US" smtClean="0"/>
-              <a:t>1/23/2017</a:t>
+              <a:t>11/5/2017</a:t>
             </a:fld>
             <a:endParaRPr lang="en-US"/>
           </a:p>
@@ -413,7 +417,7 @@
           <a:p>
             <a:fld id="{F829977F-8E80-4A9E-9266-80D81053DA3F}" type="datetimeFigureOut">
               <a:rPr lang="en-US" smtClean="0"/>
-              <a:t>1/23/2017</a:t>
+              <a:t>11/5/2017</a:t>
             </a:fld>
             <a:endParaRPr lang="en-US"/>
           </a:p>
@@ -593,7 +597,7 @@
           <a:p>
             <a:fld id="{F829977F-8E80-4A9E-9266-80D81053DA3F}" type="datetimeFigureOut">
               <a:rPr lang="en-US" smtClean="0"/>
-              <a:t>1/23/2017</a:t>
+              <a:t>11/5/2017</a:t>
             </a:fld>
             <a:endParaRPr lang="en-US"/>
           </a:p>
@@ -763,7 +767,7 @@
           <a:p>
             <a:fld id="{F829977F-8E80-4A9E-9266-80D81053DA3F}" type="datetimeFigureOut">
               <a:rPr lang="en-US" smtClean="0"/>
-              <a:t>1/23/2017</a:t>
+              <a:t>11/5/2017</a:t>
             </a:fld>
             <a:endParaRPr lang="en-US"/>
           </a:p>
@@ -1007,7 +1011,7 @@
           <a:p>
             <a:fld id="{F829977F-8E80-4A9E-9266-80D81053DA3F}" type="datetimeFigureOut">
               <a:rPr lang="en-US" smtClean="0"/>
-              <a:t>1/23/2017</a:t>
+              <a:t>11/5/2017</a:t>
             </a:fld>
             <a:endParaRPr lang="en-US"/>
           </a:p>
@@ -1239,7 +1243,7 @@
           <a:p>
             <a:fld id="{F829977F-8E80-4A9E-9266-80D81053DA3F}" type="datetimeFigureOut">
               <a:rPr lang="en-US" smtClean="0"/>
-              <a:t>1/23/2017</a:t>
+              <a:t>11/5/2017</a:t>
             </a:fld>
             <a:endParaRPr lang="en-US"/>
           </a:p>
@@ -1606,7 +1610,7 @@
           <a:p>
             <a:fld id="{F829977F-8E80-4A9E-9266-80D81053DA3F}" type="datetimeFigureOut">
               <a:rPr lang="en-US" smtClean="0"/>
-              <a:t>1/23/2017</a:t>
+              <a:t>11/5/2017</a:t>
             </a:fld>
             <a:endParaRPr lang="en-US"/>
           </a:p>
@@ -1724,7 +1728,7 @@
           <a:p>
             <a:fld id="{F829977F-8E80-4A9E-9266-80D81053DA3F}" type="datetimeFigureOut">
               <a:rPr lang="en-US" smtClean="0"/>
-              <a:t>1/23/2017</a:t>
+              <a:t>11/5/2017</a:t>
             </a:fld>
             <a:endParaRPr lang="en-US"/>
           </a:p>
@@ -1819,7 +1823,7 @@
           <a:p>
             <a:fld id="{F829977F-8E80-4A9E-9266-80D81053DA3F}" type="datetimeFigureOut">
               <a:rPr lang="en-US" smtClean="0"/>
-              <a:t>1/23/2017</a:t>
+              <a:t>11/5/2017</a:t>
             </a:fld>
             <a:endParaRPr lang="en-US"/>
           </a:p>
@@ -2096,7 +2100,7 @@
           <a:p>
             <a:fld id="{F829977F-8E80-4A9E-9266-80D81053DA3F}" type="datetimeFigureOut">
               <a:rPr lang="en-US" smtClean="0"/>
-              <a:t>1/23/2017</a:t>
+              <a:t>11/5/2017</a:t>
             </a:fld>
             <a:endParaRPr lang="en-US"/>
           </a:p>
@@ -2353,7 +2357,7 @@
           <a:p>
             <a:fld id="{F829977F-8E80-4A9E-9266-80D81053DA3F}" type="datetimeFigureOut">
               <a:rPr lang="en-US" smtClean="0"/>
-              <a:t>1/23/2017</a:t>
+              <a:t>11/5/2017</a:t>
             </a:fld>
             <a:endParaRPr lang="en-US"/>
           </a:p>
@@ -2566,7 +2570,7 @@
           <a:p>
             <a:fld id="{F829977F-8E80-4A9E-9266-80D81053DA3F}" type="datetimeFigureOut">
               <a:rPr lang="en-US" smtClean="0"/>
-              <a:t>1/23/2017</a:t>
+              <a:t>11/5/2017</a:t>
             </a:fld>
             <a:endParaRPr lang="en-US"/>
           </a:p>
@@ -2988,7 +2992,7 @@
         <p:spPr>
           <a:xfrm>
             <a:off x="636693" y="579565"/>
-            <a:ext cx="7911254" cy="4247317"/>
+            <a:ext cx="7911254" cy="3970318"/>
           </a:xfrm>
           <a:prstGeom prst="rect">
             <a:avLst/>
@@ -3007,26 +3011,10 @@
                   <a:schemeClr val="bg1"/>
                 </a:solidFill>
               </a:rPr>
-              <a:t>In this task you will be </a:t>
-            </a:r>
-            <a:r>
-              <a:rPr lang="en-US" dirty="0" smtClean="0">
-                <a:solidFill>
-                  <a:schemeClr val="bg1"/>
-                </a:solidFill>
-              </a:rPr>
-              <a:t>shown a set of 2 or 4 objects that will remain on the screen for a few seconds. Each object in the set will be rotated differently on the screen.  that are each rotated differently on the screen. Your task </a:t>
-            </a:r>
-            <a:r>
-              <a:rPr lang="en-US" dirty="0" smtClean="0">
-                <a:solidFill>
-                  <a:schemeClr val="bg1"/>
-                </a:solidFill>
-              </a:rPr>
-              <a:t>is to try and remember the orientation of each object. You will see a </a:t>
-            </a:r>
-            <a:r>
-              <a:rPr lang="en-US" dirty="0" smtClean="0">
+              <a:t>In this task you will be shown a set of 2 or 4 objects that will remain on the screen for a few seconds. Each object in the set will be rotated differently on the screen. Your task is to try and remember the orientation of each object. You will see a </a:t>
+            </a:r>
+            <a:r>
+              <a:rPr lang="en-US" dirty="0">
                 <a:solidFill>
                   <a:srgbClr val="00FF00"/>
                 </a:solidFill>
@@ -3034,7 +3022,7 @@
               <a:t>+</a:t>
             </a:r>
             <a:r>
-              <a:rPr lang="en-US" dirty="0" smtClean="0">
+              <a:rPr lang="en-US" dirty="0">
                 <a:solidFill>
                   <a:schemeClr val="bg1"/>
                 </a:solidFill>
@@ -3051,31 +3039,31 @@
           </a:p>
           <a:p>
             <a:r>
-              <a:rPr lang="en-US" dirty="0" smtClean="0">
+              <a:rPr lang="en-US" dirty="0">
                 <a:solidFill>
                   <a:schemeClr val="bg1"/>
                 </a:solidFill>
               </a:rPr>
-              <a:t>After seeing the set of objects, you will be tested on each object in the set. On each test trial the object will appear in two locations on the screen (left or right) and each one will be rotated differently. Your task is to select the object (the left or right object) that is rotated </a:t>
-            </a:r>
-            <a:r>
-              <a:rPr lang="en-US" u="sng" dirty="0" smtClean="0">
+              <a:t>After seeing the set of objects, there will be a brief delay, and then your memory for the rotation of each object in the set will be tested. On each test trial the object will appear in two locations on the screen (left or right) with two different rotations. Your task is to select the object that has the </a:t>
+            </a:r>
+            <a:r>
+              <a:rPr lang="en-US" u="sng" dirty="0">
                 <a:solidFill>
                   <a:schemeClr val="bg1"/>
                 </a:solidFill>
               </a:rPr>
-              <a:t>exactly</a:t>
-            </a:r>
-            <a:r>
-              <a:rPr lang="en-US" dirty="0" smtClean="0">
+              <a:t>exact</a:t>
+            </a:r>
+            <a:r>
+              <a:rPr lang="en-US" dirty="0">
                 <a:solidFill>
                   <a:schemeClr val="bg1"/>
                 </a:solidFill>
               </a:rPr>
-              <a:t> as it was rotated when you saw it initially. If you believe the object on the left has the same rotation as the study phase, press the “F” key. Press the “J” key if you believe the object on the right is the same rotation as the study phase. Please enter your responses quickly while trying to remain as accurate as possible. You should enter your response when you see the </a:t>
-            </a:r>
-            <a:r>
-              <a:rPr lang="en-US" dirty="0" smtClean="0">
+              <a:t> same rotation as when you saw it initially. If you believe the object on the left has the same rotation as the study phase, press the “F” key. Press the “J” key if you believe the object on the right is the same rotation as the study phase. Please enter your responses quickly while trying to remain as accurate as possible. You should enter your response when you see the </a:t>
+            </a:r>
+            <a:r>
+              <a:rPr lang="en-US" dirty="0">
                 <a:solidFill>
                   <a:srgbClr val="FF0000"/>
                 </a:solidFill>
@@ -3083,45 +3071,325 @@
               <a:t>+</a:t>
             </a:r>
             <a:r>
-              <a:rPr lang="en-US" dirty="0" smtClean="0">
+              <a:rPr lang="en-US" dirty="0">
                 <a:solidFill>
                   <a:schemeClr val="bg1"/>
                 </a:solidFill>
               </a:rPr>
               <a:t> on the screen.</a:t>
             </a:r>
-            <a:endParaRPr lang="en-US" dirty="0">
-              <a:solidFill>
-                <a:schemeClr val="bg1"/>
-              </a:solidFill>
-            </a:endParaRPr>
           </a:p>
         </p:txBody>
       </p:sp>
       <p:pic>
         <p:nvPicPr>
-          <p:cNvPr id="12" name="Picture 11"/>
+          <p:cNvPr id="3" name="Picture 2">
+            <a:extLst>
+              <a:ext uri="{FF2B5EF4-FFF2-40B4-BE49-F238E27FC236}">
+                <a16:creationId xmlns:a16="http://schemas.microsoft.com/office/drawing/2014/main" id="{743745DC-1965-4375-A0E0-4AAEB4E7C12D}"/>
+              </a:ext>
+            </a:extLst>
+          </p:cNvPr>
           <p:cNvPicPr>
             <a:picLocks noChangeAspect="1"/>
           </p:cNvPicPr>
           <p:nvPr/>
         </p:nvPicPr>
-        <p:blipFill>
-          <a:blip r:embed="rId2"/>
-          <a:stretch>
-            <a:fillRect/>
-          </a:stretch>
+        <p:blipFill rotWithShape="1">
+          <a:blip r:embed="rId2">
+            <a:extLst>
+              <a:ext uri="{28A0092B-C50C-407E-A947-70E740481C1C}">
+                <a14:useLocalDpi xmlns:a14="http://schemas.microsoft.com/office/drawing/2010/main" val="0"/>
+              </a:ext>
+            </a:extLst>
+          </a:blip>
+          <a:srcRect l="34298" t="35147" r="34452" b="40421"/>
+          <a:stretch/>
         </p:blipFill>
         <p:spPr>
           <a:xfrm>
-            <a:off x="1816890" y="4744966"/>
-            <a:ext cx="5550860" cy="1851818"/>
+            <a:off x="2057771" y="5072062"/>
+            <a:ext cx="2534549" cy="1438356"/>
           </a:xfrm>
           <a:prstGeom prst="rect">
             <a:avLst/>
           </a:prstGeom>
         </p:spPr>
       </p:pic>
+      <p:pic>
+        <p:nvPicPr>
+          <p:cNvPr id="5" name="Picture 4">
+            <a:extLst>
+              <a:ext uri="{FF2B5EF4-FFF2-40B4-BE49-F238E27FC236}">
+                <a16:creationId xmlns:a16="http://schemas.microsoft.com/office/drawing/2014/main" id="{186C6453-BEEC-4D0E-B901-25BF87A85B3C}"/>
+              </a:ext>
+            </a:extLst>
+          </p:cNvPr>
+          <p:cNvPicPr>
+            <a:picLocks noChangeAspect="1"/>
+          </p:cNvPicPr>
+          <p:nvPr/>
+        </p:nvPicPr>
+        <p:blipFill rotWithShape="1">
+          <a:blip r:embed="rId3">
+            <a:extLst>
+              <a:ext uri="{28A0092B-C50C-407E-A947-70E740481C1C}">
+                <a14:useLocalDpi xmlns:a14="http://schemas.microsoft.com/office/drawing/2010/main" val="0"/>
+              </a:ext>
+            </a:extLst>
+          </a:blip>
+          <a:srcRect l="34375" t="37916" r="33828" b="37653"/>
+          <a:stretch/>
+        </p:blipFill>
+        <p:spPr>
+          <a:xfrm>
+            <a:off x="5200641" y="5179219"/>
+            <a:ext cx="2578903" cy="1438356"/>
+          </a:xfrm>
+          <a:prstGeom prst="rect">
+            <a:avLst/>
+          </a:prstGeom>
+        </p:spPr>
+      </p:pic>
+      <p:sp>
+        <p:nvSpPr>
+          <p:cNvPr id="7" name="Rectangle 6">
+            <a:extLst>
+              <a:ext uri="{FF2B5EF4-FFF2-40B4-BE49-F238E27FC236}">
+                <a16:creationId xmlns:a16="http://schemas.microsoft.com/office/drawing/2014/main" id="{44856046-F968-4132-9AD5-0AF7C80313C4}"/>
+              </a:ext>
+            </a:extLst>
+          </p:cNvPr>
+          <p:cNvSpPr/>
+          <p:nvPr/>
+        </p:nvSpPr>
+        <p:spPr>
+          <a:xfrm>
+            <a:off x="4050506" y="5226884"/>
+            <a:ext cx="1300154" cy="992981"/>
+          </a:xfrm>
+          <a:prstGeom prst="rect">
+            <a:avLst/>
+          </a:prstGeom>
+          <a:solidFill>
+            <a:srgbClr val="808080"/>
+          </a:solidFill>
+          <a:ln>
+            <a:noFill/>
+          </a:ln>
+        </p:spPr>
+        <p:style>
+          <a:lnRef idx="2">
+            <a:schemeClr val="accent1">
+              <a:shade val="50000"/>
+            </a:schemeClr>
+          </a:lnRef>
+          <a:fillRef idx="1">
+            <a:schemeClr val="accent1"/>
+          </a:fillRef>
+          <a:effectRef idx="0">
+            <a:schemeClr val="accent1"/>
+          </a:effectRef>
+          <a:fontRef idx="minor">
+            <a:schemeClr val="lt1"/>
+          </a:fontRef>
+        </p:style>
+        <p:txBody>
+          <a:bodyPr rtlCol="0" anchor="ctr"/>
+          <a:lstStyle/>
+          <a:p>
+            <a:pPr algn="ctr"/>
+            <a:r>
+              <a:rPr lang="en-US" sz="1000" dirty="0"/>
+              <a:t>+</a:t>
+            </a:r>
+          </a:p>
+        </p:txBody>
+      </p:sp>
+      <p:sp>
+        <p:nvSpPr>
+          <p:cNvPr id="9" name="Rectangle 8">
+            <a:extLst>
+              <a:ext uri="{FF2B5EF4-FFF2-40B4-BE49-F238E27FC236}">
+                <a16:creationId xmlns:a16="http://schemas.microsoft.com/office/drawing/2014/main" id="{1841AC61-A86D-4D9C-B238-B7A878475A06}"/>
+              </a:ext>
+            </a:extLst>
+          </p:cNvPr>
+          <p:cNvSpPr/>
+          <p:nvPr/>
+        </p:nvSpPr>
+        <p:spPr>
+          <a:xfrm>
+            <a:off x="1299431" y="5226884"/>
+            <a:ext cx="1300154" cy="992981"/>
+          </a:xfrm>
+          <a:prstGeom prst="rect">
+            <a:avLst/>
+          </a:prstGeom>
+          <a:solidFill>
+            <a:srgbClr val="808080"/>
+          </a:solidFill>
+          <a:ln>
+            <a:noFill/>
+          </a:ln>
+        </p:spPr>
+        <p:style>
+          <a:lnRef idx="2">
+            <a:schemeClr val="accent1">
+              <a:shade val="50000"/>
+            </a:schemeClr>
+          </a:lnRef>
+          <a:fillRef idx="1">
+            <a:schemeClr val="accent1"/>
+          </a:fillRef>
+          <a:effectRef idx="0">
+            <a:schemeClr val="accent1"/>
+          </a:effectRef>
+          <a:fontRef idx="minor">
+            <a:schemeClr val="lt1"/>
+          </a:fontRef>
+        </p:style>
+        <p:txBody>
+          <a:bodyPr rtlCol="0" anchor="ctr"/>
+          <a:lstStyle/>
+          <a:p>
+            <a:pPr algn="ctr"/>
+            <a:r>
+              <a:rPr lang="en-US" sz="1000" dirty="0">
+                <a:solidFill>
+                  <a:srgbClr val="00FF00"/>
+                </a:solidFill>
+              </a:rPr>
+              <a:t>+</a:t>
+            </a:r>
+          </a:p>
+        </p:txBody>
+      </p:sp>
+      <p:sp>
+        <p:nvSpPr>
+          <p:cNvPr id="8" name="TextBox 7">
+            <a:extLst>
+              <a:ext uri="{FF2B5EF4-FFF2-40B4-BE49-F238E27FC236}">
+                <a16:creationId xmlns:a16="http://schemas.microsoft.com/office/drawing/2014/main" id="{53D034A3-4377-4010-98A4-4FE1EF6D3338}"/>
+              </a:ext>
+            </a:extLst>
+          </p:cNvPr>
+          <p:cNvSpPr txBox="1"/>
+          <p:nvPr/>
+        </p:nvSpPr>
+        <p:spPr>
+          <a:xfrm>
+            <a:off x="1799485" y="4566999"/>
+            <a:ext cx="1600200" cy="369332"/>
+          </a:xfrm>
+          <a:prstGeom prst="rect">
+            <a:avLst/>
+          </a:prstGeom>
+          <a:noFill/>
+        </p:spPr>
+        <p:txBody>
+          <a:bodyPr wrap="square" rtlCol="0">
+            <a:spAutoFit/>
+          </a:bodyPr>
+          <a:lstStyle/>
+          <a:p>
+            <a:pPr algn="ctr"/>
+            <a:r>
+              <a:rPr lang="en-US" u="sng" dirty="0">
+                <a:solidFill>
+                  <a:schemeClr val="bg1"/>
+                </a:solidFill>
+              </a:rPr>
+              <a:t>Study</a:t>
+            </a:r>
+          </a:p>
+        </p:txBody>
+      </p:sp>
+      <p:sp>
+        <p:nvSpPr>
+          <p:cNvPr id="11" name="TextBox 10">
+            <a:extLst>
+              <a:ext uri="{FF2B5EF4-FFF2-40B4-BE49-F238E27FC236}">
+                <a16:creationId xmlns:a16="http://schemas.microsoft.com/office/drawing/2014/main" id="{0820ADD9-0F1F-439A-B4F1-5C4CCF5388A6}"/>
+              </a:ext>
+            </a:extLst>
+          </p:cNvPr>
+          <p:cNvSpPr txBox="1"/>
+          <p:nvPr/>
+        </p:nvSpPr>
+        <p:spPr>
+          <a:xfrm>
+            <a:off x="3900483" y="4564072"/>
+            <a:ext cx="1600200" cy="369332"/>
+          </a:xfrm>
+          <a:prstGeom prst="rect">
+            <a:avLst/>
+          </a:prstGeom>
+          <a:noFill/>
+        </p:spPr>
+        <p:txBody>
+          <a:bodyPr wrap="square" rtlCol="0">
+            <a:spAutoFit/>
+          </a:bodyPr>
+          <a:lstStyle/>
+          <a:p>
+            <a:pPr algn="ctr"/>
+            <a:r>
+              <a:rPr lang="en-US" u="sng" dirty="0">
+                <a:solidFill>
+                  <a:schemeClr val="bg1"/>
+                </a:solidFill>
+              </a:rPr>
+              <a:t>Delay</a:t>
+            </a:r>
+          </a:p>
+        </p:txBody>
+      </p:sp>
+      <p:sp>
+        <p:nvSpPr>
+          <p:cNvPr id="13" name="TextBox 12">
+            <a:extLst>
+              <a:ext uri="{FF2B5EF4-FFF2-40B4-BE49-F238E27FC236}">
+                <a16:creationId xmlns:a16="http://schemas.microsoft.com/office/drawing/2014/main" id="{5B2F9A25-7E83-447F-8278-E182E2DE5189}"/>
+              </a:ext>
+            </a:extLst>
+          </p:cNvPr>
+          <p:cNvSpPr txBox="1"/>
+          <p:nvPr/>
+        </p:nvSpPr>
+        <p:spPr>
+          <a:xfrm>
+            <a:off x="5689992" y="4564072"/>
+            <a:ext cx="1600200" cy="369332"/>
+          </a:xfrm>
+          <a:prstGeom prst="rect">
+            <a:avLst/>
+          </a:prstGeom>
+          <a:noFill/>
+        </p:spPr>
+        <p:txBody>
+          <a:bodyPr wrap="square" rtlCol="0">
+            <a:spAutoFit/>
+          </a:bodyPr>
+          <a:lstStyle/>
+          <a:p>
+            <a:pPr algn="ctr"/>
+            <a:r>
+              <a:rPr lang="en-US" u="sng">
+                <a:solidFill>
+                  <a:schemeClr val="bg1"/>
+                </a:solidFill>
+              </a:rPr>
+              <a:t>Test</a:t>
+            </a:r>
+            <a:endParaRPr lang="en-US" u="sng" dirty="0">
+              <a:solidFill>
+                <a:schemeClr val="bg1"/>
+              </a:solidFill>
+            </a:endParaRPr>
+          </a:p>
+        </p:txBody>
+      </p:sp>
     </p:spTree>
     <p:extLst>
       <p:ext uri="{BB962C8B-B14F-4D97-AF65-F5344CB8AC3E}">
